--- a/Paradigma.pptx
+++ b/Paradigma.pptx
@@ -8727,13 +8727,13 @@
               <a:t> </a:t>
             </a:r>
             <a:r>
-              <a:rPr lang="en">
+              <a:rPr lang="en" sz="3400">
                 <a:latin typeface="Roboto Medium"/>
                 <a:ea typeface="Roboto Medium"/>
                 <a:cs typeface="Roboto Medium"/>
                 <a:sym typeface="Roboto Medium"/>
               </a:rPr>
-              <a:t>Deklarativ</a:t>
+              <a:t>İmperativ</a:t>
             </a:r>
             <a:endParaRPr>
               <a:latin typeface="Roboto Medium"/>
@@ -9160,7 +9160,7 @@
               <a:t>    </a:t>
             </a:r>
             <a:r>
-              <a:rPr lang="en" sz="3400">
+              <a:rPr lang="en" sz="3800">
                 <a:solidFill>
                   <a:schemeClr val="dk1"/>
                 </a:solidFill>
@@ -9169,7 +9169,7 @@
                 <a:cs typeface="Roboto Medium"/>
                 <a:sym typeface="Roboto Medium"/>
               </a:rPr>
-              <a:t>İmperativ</a:t>
+              <a:t>Deklarativ</a:t>
             </a:r>
             <a:endParaRPr sz="3400">
               <a:solidFill>
